--- a/slides/KeyStone IPC v2.pptx
+++ b/slides/KeyStone IPC v2.pptx
@@ -309,7 +309,7 @@
               <a:pPr>
                 <a:defRPr/>
               </a:pPr>
-              <a:t>9/19/2013</a:t>
+              <a:t>1/29/2014</a:t>
             </a:fld>
             <a:endParaRPr lang="en-US" dirty="0"/>
           </a:p>
@@ -4357,7 +4357,7 @@
             <a:fld id="{AEF89BD6-E300-4C67-B175-76E5828D27B4}" type="datetimeFigureOut">
               <a:rPr lang="en-US" smtClean="0"/>
               <a:pPr/>
-              <a:t>9/19/2013</a:t>
+              <a:t>1/29/2014</a:t>
             </a:fld>
             <a:endParaRPr lang="en-US" dirty="0"/>
           </a:p>
@@ -4548,7 +4548,7 @@
             <a:fld id="{AEF89BD6-E300-4C67-B175-76E5828D27B4}" type="datetimeFigureOut">
               <a:rPr lang="en-US" smtClean="0"/>
               <a:pPr/>
-              <a:t>9/19/2013</a:t>
+              <a:t>1/29/2014</a:t>
             </a:fld>
             <a:endParaRPr lang="en-US" dirty="0"/>
           </a:p>
@@ -5307,7 +5307,15 @@
           <a:p>
             <a:r>
               <a:rPr lang="en-US" dirty="0" smtClean="0"/>
-              <a:t>Literature Number: SPRP809</a:t>
+              <a:t>Literature Number</a:t>
+            </a:r>
+            <a:r>
+              <a:rPr lang="en-US" smtClean="0"/>
+              <a:t>: </a:t>
+            </a:r>
+            <a:r>
+              <a:rPr lang="en-US" smtClean="0"/>
+              <a:t>SPRP809</a:t>
             </a:r>
             <a:endParaRPr lang="en-US" dirty="0"/>
           </a:p>
@@ -5321,6 +5329,13 @@
   <p:transition spd="med">
     <p:fade/>
   </p:transition>
+  <p:timing>
+    <p:tnLst>
+      <p:par>
+        <p:cTn id="1" dur="indefinite" restart="never" nodeType="tmRoot"/>
+      </p:par>
+    </p:tnLst>
+  </p:timing>
 </p:sld>
 </file>
 
@@ -20816,6 +20831,13 @@
   <p:transition spd="med">
     <p:fade/>
   </p:transition>
+  <p:timing>
+    <p:tnLst>
+      <p:par>
+        <p:cTn id="1" dur="indefinite" restart="never" nodeType="tmRoot"/>
+      </p:par>
+    </p:tnLst>
+  </p:timing>
 </p:sld>
 </file>
 
@@ -35287,12 +35309,14 @@
           </a:p>
           <a:p>
             <a:r>
-              <a:rPr lang="en-US" sz="3000" dirty="0" err="1" smtClean="0"/>
-              <a:t>MsgCom</a:t>
-            </a:r>
-            <a:r>
               <a:rPr lang="en-US" sz="3000" dirty="0" smtClean="0"/>
-              <a:t> project (on ARM and DSP) is part of KeyStone II Lab Book</a:t>
+              <a:t>MsgCom project (on ARM and DSP) is part of KeyStone II Lab Book</a:t>
+            </a:r>
+          </a:p>
+          <a:p>
+            <a:r>
+              <a:rPr lang="en-US" sz="3000" dirty="0" smtClean="0"/>
+              <a:t>IPCv3 example for communication between DSP and ARM is part of the out-of-the-box demos. Instructions how to build, run and modify this example is part of KeyStone Lab book</a:t>
             </a:r>
             <a:endParaRPr lang="en-US" sz="3000" dirty="0"/>
           </a:p>
@@ -35829,19 +35853,19 @@
       </p:sp>
       <p:graphicFrame>
         <p:nvGraphicFramePr>
-          <p:cNvPr id="4" name="Object 3"/>
+          <p:cNvPr id="11266" name="Object 2"/>
           <p:cNvGraphicFramePr>
             <a:graphicFrameLocks noChangeAspect="1"/>
           </p:cNvGraphicFramePr>
           <p:nvPr/>
         </p:nvGraphicFramePr>
         <p:xfrm>
-          <a:off x="787400" y="1011238"/>
+          <a:off x="768150" y="1223294"/>
           <a:ext cx="7569200" cy="4833937"/>
         </p:xfrm>
         <a:graphic>
           <a:graphicData uri="http://schemas.openxmlformats.org/presentationml/2006/ole">
-            <p:oleObj spid="_x0000_s11265" name="Visio" r:id="rId4" imgW="7568750" imgH="4833571" progId="Visio.Drawing.11">
+            <p:oleObj spid="_x0000_s11266" name="Visio" r:id="rId4" imgW="7568750" imgH="4833571" progId="Visio.Drawing.11">
               <p:embed/>
             </p:oleObj>
           </a:graphicData>
@@ -35983,6 +36007,13 @@
   <p:clrMapOvr>
     <a:masterClrMapping/>
   </p:clrMapOvr>
+  <p:timing>
+    <p:tnLst>
+      <p:par>
+        <p:cTn id="1" dur="indefinite" restart="never" nodeType="tmRoot"/>
+      </p:par>
+    </p:tnLst>
+  </p:timing>
 </p:sld>
 </file>
 
